--- a/sesija-26/PPT/Front-End Developer-26.pptx
+++ b/sesija-26/PPT/Front-End Developer-26.pptx
@@ -6,13 +6,14 @@
     <p:sldMasterId id="2147483676" r:id="rId2"/>
   </p:sldMasterIdLst>
   <p:notesMasterIdLst>
-    <p:notesMasterId r:id="rId7"/>
+    <p:notesMasterId r:id="rId8"/>
   </p:notesMasterIdLst>
   <p:sldIdLst>
     <p:sldId id="256" r:id="rId3"/>
     <p:sldId id="257" r:id="rId4"/>
     <p:sldId id="258" r:id="rId5"/>
     <p:sldId id="263" r:id="rId6"/>
+    <p:sldId id="264" r:id="rId7"/>
   </p:sldIdLst>
   <p:sldSz cx="12192000" cy="6858000"/>
   <p:notesSz cx="6858000" cy="9144000"/>
@@ -120,6 +121,7 @@
             <p14:sldId id="257"/>
             <p14:sldId id="258"/>
             <p14:sldId id="263"/>
+            <p14:sldId id="264"/>
           </p14:sldIdLst>
         </p14:section>
       </p14:sectionLst>
@@ -904,7 +906,7 @@
         <a:p>
           <a:r>
             <a:rPr lang="en-US" b="1" smtClean="0"/>
-            <a:t>HTML</a:t>
+            <a:t>JavaScript</a:t>
           </a:r>
           <a:endParaRPr lang="en-US"/>
         </a:p>
@@ -939,6 +941,10 @@
         <a:bodyPr/>
         <a:lstStyle/>
         <a:p>
+          <a:r>
+            <a:rPr lang="en-US" smtClean="0"/>
+            <a:t>AJAX Istorija</a:t>
+          </a:r>
           <a:endParaRPr lang="en-US"/>
         </a:p>
       </dgm:t>
@@ -946,10 +952,61 @@
     <dgm:pt modelId="{F89418B0-7D47-48D3-A0DD-7DC00E292A1E}" type="parTrans" cxnId="{C78D7D1E-4353-489A-8F01-856C716DDAA5}">
       <dgm:prSet/>
       <dgm:spPr/>
+      <dgm:t>
+        <a:bodyPr/>
+        <a:lstStyle/>
+        <a:p>
+          <a:endParaRPr lang="en-US"/>
+        </a:p>
+      </dgm:t>
     </dgm:pt>
     <dgm:pt modelId="{B8A6BCFB-F597-4971-BF20-6B7B52347AE9}" type="sibTrans" cxnId="{C78D7D1E-4353-489A-8F01-856C716DDAA5}">
       <dgm:prSet/>
       <dgm:spPr/>
+      <dgm:t>
+        <a:bodyPr/>
+        <a:lstStyle/>
+        <a:p>
+          <a:endParaRPr lang="en-US"/>
+        </a:p>
+      </dgm:t>
+    </dgm:pt>
+    <dgm:pt modelId="{9F38555A-8BEC-4255-AD29-8865F5073FB8}">
+      <dgm:prSet phldrT="[Text]"/>
+      <dgm:spPr/>
+      <dgm:t>
+        <a:bodyPr/>
+        <a:lstStyle/>
+        <a:p>
+          <a:r>
+            <a:rPr lang="en-US" smtClean="0"/>
+            <a:t>XMLHttpRequest</a:t>
+          </a:r>
+          <a:endParaRPr lang="en-US"/>
+        </a:p>
+      </dgm:t>
+    </dgm:pt>
+    <dgm:pt modelId="{62743B47-08EE-48F2-AE09-6D22ABA14C0F}" type="parTrans" cxnId="{C94FDCB6-BF56-4B7C-9F27-41B82593A273}">
+      <dgm:prSet/>
+      <dgm:spPr/>
+      <dgm:t>
+        <a:bodyPr/>
+        <a:lstStyle/>
+        <a:p>
+          <a:endParaRPr lang="en-US"/>
+        </a:p>
+      </dgm:t>
+    </dgm:pt>
+    <dgm:pt modelId="{EED729B3-60ED-446D-8891-52CDFAB8E438}" type="sibTrans" cxnId="{C94FDCB6-BF56-4B7C-9F27-41B82593A273}">
+      <dgm:prSet/>
+      <dgm:spPr/>
+      <dgm:t>
+        <a:bodyPr/>
+        <a:lstStyle/>
+        <a:p>
+          <a:endParaRPr lang="en-US"/>
+        </a:p>
+      </dgm:t>
     </dgm:pt>
     <dgm:pt modelId="{AEABCDDF-3180-4C76-A7CB-FC0B6AF0719A}" type="pres">
       <dgm:prSet presAssocID="{4EE1351B-4B79-4D48-8F5E-455F7AD945A8}" presName="linear" presStyleCnt="0">
@@ -1001,10 +1058,12 @@
   </dgm:ptLst>
   <dgm:cxnLst>
     <dgm:cxn modelId="{C5A8E9B4-A897-4242-BCB6-414B02FAC18D}" type="presOf" srcId="{7BA3726F-3900-4FC3-8B1E-5B513F942281}" destId="{AADBD8E6-695F-4FE3-9A02-D807BC812A7C}" srcOrd="0" destOrd="0" presId="urn:microsoft.com/office/officeart/2005/8/layout/vList2"/>
+    <dgm:cxn modelId="{C94FDCB6-BF56-4B7C-9F27-41B82593A273}" srcId="{01EB205F-FC18-44EF-B4D7-07083A382D6D}" destId="{9F38555A-8BEC-4255-AD29-8865F5073FB8}" srcOrd="1" destOrd="0" parTransId="{62743B47-08EE-48F2-AE09-6D22ABA14C0F}" sibTransId="{EED729B3-60ED-446D-8891-52CDFAB8E438}"/>
     <dgm:cxn modelId="{FB3F133B-D980-4586-8A93-14087C2AFDB7}" type="presOf" srcId="{01EB205F-FC18-44EF-B4D7-07083A382D6D}" destId="{F4D94EE2-DE87-41D3-8995-9FDA4ED2D4BE}" srcOrd="0" destOrd="0" presId="urn:microsoft.com/office/officeart/2005/8/layout/vList2"/>
     <dgm:cxn modelId="{C78D7D1E-4353-489A-8F01-856C716DDAA5}" srcId="{01EB205F-FC18-44EF-B4D7-07083A382D6D}" destId="{7BA3726F-3900-4FC3-8B1E-5B513F942281}" srcOrd="0" destOrd="0" parTransId="{F89418B0-7D47-48D3-A0DD-7DC00E292A1E}" sibTransId="{B8A6BCFB-F597-4971-BF20-6B7B52347AE9}"/>
     <dgm:cxn modelId="{554D4833-0D13-4D4C-92BF-76D83AECFDE6}" srcId="{4EE1351B-4B79-4D48-8F5E-455F7AD945A8}" destId="{01EB205F-FC18-44EF-B4D7-07083A382D6D}" srcOrd="0" destOrd="0" parTransId="{D4C6F2B3-566C-488E-AC05-F7BDFB6B7331}" sibTransId="{2BF717F9-FCD3-4CE3-A0A5-83D104AFB328}"/>
     <dgm:cxn modelId="{9ADF0326-01FB-4790-B759-ACDFB0217796}" type="presOf" srcId="{4EE1351B-4B79-4D48-8F5E-455F7AD945A8}" destId="{AEABCDDF-3180-4C76-A7CB-FC0B6AF0719A}" srcOrd="0" destOrd="0" presId="urn:microsoft.com/office/officeart/2005/8/layout/vList2"/>
+    <dgm:cxn modelId="{6CBD9F5F-FC73-45ED-88A6-D807D0137177}" type="presOf" srcId="{9F38555A-8BEC-4255-AD29-8865F5073FB8}" destId="{AADBD8E6-695F-4FE3-9A02-D807BC812A7C}" srcOrd="0" destOrd="1" presId="urn:microsoft.com/office/officeart/2005/8/layout/vList2"/>
     <dgm:cxn modelId="{541BD5B9-51DA-497F-838D-CDA31366E980}" type="presParOf" srcId="{AEABCDDF-3180-4C76-A7CB-FC0B6AF0719A}" destId="{F4D94EE2-DE87-41D3-8995-9FDA4ED2D4BE}" srcOrd="0" destOrd="0" presId="urn:microsoft.com/office/officeart/2005/8/layout/vList2"/>
     <dgm:cxn modelId="{C7801D2E-7067-4E56-86BD-8C707C34363A}" type="presParOf" srcId="{AEABCDDF-3180-4C76-A7CB-FC0B6AF0719A}" destId="{AADBD8E6-695F-4FE3-9A02-D807BC812A7C}" srcOrd="1" destOrd="0" presId="urn:microsoft.com/office/officeart/2005/8/layout/vList2"/>
   </dgm:cxnLst>
@@ -1033,7 +1092,7 @@
       </dsp:nvSpPr>
       <dsp:spPr>
         <a:xfrm>
-          <a:off x="0" y="1548347"/>
+          <a:off x="0" y="1245610"/>
           <a:ext cx="8298873" cy="1521000"/>
         </a:xfrm>
         <a:prstGeom prst="roundRect">
@@ -1093,13 +1152,13 @@
           </a:pPr>
           <a:r>
             <a:rPr lang="en-US" sz="6500" b="1" kern="1200" smtClean="0"/>
-            <a:t>HTML</a:t>
+            <a:t>JavaScript</a:t>
           </a:r>
           <a:endParaRPr lang="en-US" sz="6500" kern="1200"/>
         </a:p>
       </dsp:txBody>
       <dsp:txXfrm>
-        <a:off x="74249" y="1622596"/>
+        <a:off x="74249" y="1319859"/>
         <a:ext cx="8150375" cy="1372502"/>
       </dsp:txXfrm>
     </dsp:sp>
@@ -1110,8 +1169,8 @@
       </dsp:nvSpPr>
       <dsp:spPr>
         <a:xfrm>
-          <a:off x="0" y="3069347"/>
-          <a:ext cx="8298873" cy="1076400"/>
+          <a:off x="0" y="2766610"/>
+          <a:ext cx="8298873" cy="1681875"/>
         </a:xfrm>
         <a:prstGeom prst="rect">
           <a:avLst/>
@@ -1152,12 +1211,35 @@
             </a:spcAft>
             <a:buChar char="••"/>
           </a:pPr>
+          <a:r>
+            <a:rPr lang="en-US" sz="5100" kern="1200" smtClean="0"/>
+            <a:t>AJAX Istorija</a:t>
+          </a:r>
+          <a:endParaRPr lang="en-US" sz="5100" kern="1200"/>
+        </a:p>
+        <a:p>
+          <a:pPr marL="285750" lvl="1" indent="-285750" algn="l" defTabSz="2266950">
+            <a:lnSpc>
+              <a:spcPct val="90000"/>
+            </a:lnSpc>
+            <a:spcBef>
+              <a:spcPct val="0"/>
+            </a:spcBef>
+            <a:spcAft>
+              <a:spcPct val="20000"/>
+            </a:spcAft>
+            <a:buChar char="••"/>
+          </a:pPr>
+          <a:r>
+            <a:rPr lang="en-US" sz="5100" kern="1200" smtClean="0"/>
+            <a:t>XMLHttpRequest</a:t>
+          </a:r>
           <a:endParaRPr lang="en-US" sz="5100" kern="1200"/>
         </a:p>
       </dsp:txBody>
       <dsp:txXfrm>
-        <a:off x="0" y="3069347"/>
-        <a:ext cx="8298873" cy="1076400"/>
+        <a:off x="0" y="2766610"/>
+        <a:ext cx="8298873" cy="1681875"/>
       </dsp:txXfrm>
     </dsp:sp>
   </dsp:spTree>
@@ -2447,7 +2529,7 @@
           <a:p>
             <a:fld id="{D32AC403-8EB1-4D4E-8C3A-24BD19820531}" type="datetimeFigureOut">
               <a:rPr lang="en-US" smtClean="0"/>
-              <a:t>13-Mar-18</a:t>
+              <a:t>11-Apr-18</a:t>
             </a:fld>
             <a:endParaRPr lang="en-US"/>
           </a:p>
@@ -3193,7 +3275,7 @@
           <a:p>
             <a:fld id="{B35B300D-7DF5-4E96-8AA6-60E94C6E9F44}" type="datetimeFigureOut">
               <a:rPr lang="sr-Latn-RS" smtClean="0"/>
-              <a:t>13.3.2018.</a:t>
+              <a:t>11.4.2018.</a:t>
             </a:fld>
             <a:endParaRPr lang="sr-Latn-RS"/>
           </a:p>
@@ -3627,7 +3709,7 @@
           <a:p>
             <a:fld id="{B35B300D-7DF5-4E96-8AA6-60E94C6E9F44}" type="datetimeFigureOut">
               <a:rPr lang="sr-Latn-RS" smtClean="0"/>
-              <a:t>13.3.2018.</a:t>
+              <a:t>11.4.2018.</a:t>
             </a:fld>
             <a:endParaRPr lang="sr-Latn-RS"/>
           </a:p>
@@ -4001,7 +4083,7 @@
           <a:p>
             <a:fld id="{B35B300D-7DF5-4E96-8AA6-60E94C6E9F44}" type="datetimeFigureOut">
               <a:rPr lang="sr-Latn-RS" smtClean="0"/>
-              <a:t>13.3.2018.</a:t>
+              <a:t>11.4.2018.</a:t>
             </a:fld>
             <a:endParaRPr lang="sr-Latn-RS"/>
           </a:p>
@@ -4285,7 +4367,7 @@
           <a:p>
             <a:fld id="{B35B300D-7DF5-4E96-8AA6-60E94C6E9F44}" type="datetimeFigureOut">
               <a:rPr lang="sr-Latn-RS" smtClean="0"/>
-              <a:t>13.3.2018.</a:t>
+              <a:t>11.4.2018.</a:t>
             </a:fld>
             <a:endParaRPr lang="sr-Latn-RS"/>
           </a:p>
@@ -4462,7 +4544,7 @@
           <a:p>
             <a:fld id="{B35B300D-7DF5-4E96-8AA6-60E94C6E9F44}" type="datetimeFigureOut">
               <a:rPr lang="sr-Latn-RS" smtClean="0"/>
-              <a:t>13.3.2018.</a:t>
+              <a:t>11.4.2018.</a:t>
             </a:fld>
             <a:endParaRPr lang="sr-Latn-RS"/>
           </a:p>
@@ -4649,7 +4731,7 @@
           <a:p>
             <a:fld id="{B35B300D-7DF5-4E96-8AA6-60E94C6E9F44}" type="datetimeFigureOut">
               <a:rPr lang="sr-Latn-RS" smtClean="0"/>
-              <a:t>13.3.2018.</a:t>
+              <a:t>11.4.2018.</a:t>
             </a:fld>
             <a:endParaRPr lang="sr-Latn-RS"/>
           </a:p>
@@ -4896,7 +4978,7 @@
           <a:p>
             <a:fld id="{B35B300D-7DF5-4E96-8AA6-60E94C6E9F44}" type="datetimeFigureOut">
               <a:rPr lang="sr-Latn-RS" smtClean="0"/>
-              <a:t>13.3.2018.</a:t>
+              <a:t>11.4.2018.</a:t>
             </a:fld>
             <a:endParaRPr lang="sr-Latn-RS"/>
           </a:p>
@@ -5180,7 +5262,7 @@
           <a:p>
             <a:fld id="{B35B300D-7DF5-4E96-8AA6-60E94C6E9F44}" type="datetimeFigureOut">
               <a:rPr lang="sr-Latn-RS" smtClean="0"/>
-              <a:t>13.3.2018.</a:t>
+              <a:t>11.4.2018.</a:t>
             </a:fld>
             <a:endParaRPr lang="sr-Latn-RS"/>
           </a:p>
@@ -7099,7 +7181,7 @@
           <a:p>
             <a:fld id="{B35B300D-7DF5-4E96-8AA6-60E94C6E9F44}" type="datetimeFigureOut">
               <a:rPr lang="sr-Latn-RS" smtClean="0"/>
-              <a:t>13.3.2018.</a:t>
+              <a:t>11.4.2018.</a:t>
             </a:fld>
             <a:endParaRPr lang="sr-Latn-RS"/>
           </a:p>
@@ -7533,15 +7615,7 @@
             </a:br>
             <a:r>
               <a:rPr lang="en-US" b="1" smtClean="0"/>
-              <a:t>26 </a:t>
-            </a:r>
-            <a:r>
-              <a:rPr lang="en-US" b="1" smtClean="0"/>
-              <a:t>– </a:t>
-            </a:r>
-            <a:r>
-              <a:rPr lang="en-US" b="1" smtClean="0"/>
-              <a:t>13.04.2018</a:t>
+              <a:t>26 – 13.04.2018</a:t>
             </a:r>
             <a:endParaRPr lang="en-US"/>
           </a:p>
@@ -7670,7 +7744,7 @@
           <p:nvPr>
             <p:extLst>
               <p:ext uri="{D42A27DB-BD31-4B8C-83A1-F6EECF244321}">
-                <p14:modId xmlns:p14="http://schemas.microsoft.com/office/powerpoint/2010/main" val="571710413"/>
+                <p14:modId xmlns:p14="http://schemas.microsoft.com/office/powerpoint/2010/main" val="3450026958"/>
               </p:ext>
             </p:extLst>
           </p:nvPr>
@@ -7795,6 +7869,17 @@
           <a:lstStyle/>
           <a:p>
             <a:pPr lvl="1"/>
+            <a:r>
+              <a:rPr lang="en-US" smtClean="0"/>
+              <a:t>JSON</a:t>
+            </a:r>
+          </a:p>
+          <a:p>
+            <a:pPr lvl="1"/>
+            <a:r>
+              <a:rPr lang="en-US" smtClean="0"/>
+              <a:t>Koji tipovi podataka postoje u JSON?</a:t>
+            </a:r>
             <a:endParaRPr lang="en-US" smtClean="0"/>
           </a:p>
         </p:txBody>
@@ -7890,23 +7975,22 @@
             <a:spLocks noGrp="1"/>
           </p:cNvSpPr>
           <p:nvPr>
-            <p:ph type="body" sz="quarter" idx="4294967295"/>
+            <p:ph type="body" sz="quarter" idx="11"/>
           </p:nvPr>
         </p:nvSpPr>
-        <p:spPr>
-          <a:xfrm>
-            <a:off x="7368309" y="3196013"/>
-            <a:ext cx="4699000" cy="1930400"/>
-          </a:xfrm>
-        </p:spPr>
+        <p:spPr/>
         <p:txBody>
           <a:bodyPr/>
           <a:lstStyle/>
           <a:p>
             <a:pPr lvl="0"/>
             <a:r>
-              <a:rPr lang="en-US" sz="4000" smtClean="0"/>
-              <a:t>text</a:t>
+              <a:rPr lang="sr-Latn-RS" smtClean="0"/>
+              <a:t>XMLHttpRequest</a:t>
+            </a:r>
+            <a:r>
+              <a:rPr lang="en-US" smtClean="0"/>
+              <a:t> (XHR)</a:t>
             </a:r>
             <a:endParaRPr lang="en-US" sz="4000"/>
           </a:p>
@@ -7929,6 +8013,74 @@
       </p:par>
     </p:tnLst>
   </p:timing>
+</p:sld>
+</file>
+
+<file path=ppt/slides/slide5.xml><?xml version="1.0" encoding="utf-8"?>
+<p:sld xmlns:a="http://schemas.openxmlformats.org/drawingml/2006/main" xmlns:r="http://schemas.openxmlformats.org/officeDocument/2006/relationships" xmlns:p="http://schemas.openxmlformats.org/presentationml/2006/main">
+  <p:cSld>
+    <p:spTree>
+      <p:nvGrpSpPr>
+        <p:cNvPr id="1" name=""/>
+        <p:cNvGrpSpPr/>
+        <p:nvPr/>
+      </p:nvGrpSpPr>
+      <p:grpSpPr>
+        <a:xfrm>
+          <a:off x="0" y="0"/>
+          <a:ext cx="0" cy="0"/>
+          <a:chOff x="0" y="0"/>
+          <a:chExt cx="0" cy="0"/>
+        </a:xfrm>
+      </p:grpSpPr>
+      <p:sp>
+        <p:nvSpPr>
+          <p:cNvPr id="4" name="Title 3"/>
+          <p:cNvSpPr>
+            <a:spLocks noGrp="1"/>
+          </p:cNvSpPr>
+          <p:nvPr>
+            <p:ph type="title"/>
+          </p:nvPr>
+        </p:nvSpPr>
+        <p:spPr/>
+        <p:txBody>
+          <a:bodyPr/>
+          <a:lstStyle/>
+          <a:p>
+            <a:endParaRPr lang="sr-Latn-RS"/>
+          </a:p>
+        </p:txBody>
+      </p:sp>
+      <p:sp>
+        <p:nvSpPr>
+          <p:cNvPr id="5" name="Content Placeholder 4"/>
+          <p:cNvSpPr>
+            <a:spLocks noGrp="1"/>
+          </p:cNvSpPr>
+          <p:nvPr>
+            <p:ph sz="quarter" idx="10"/>
+          </p:nvPr>
+        </p:nvSpPr>
+        <p:spPr/>
+        <p:txBody>
+          <a:bodyPr/>
+          <a:lstStyle/>
+          <a:p>
+            <a:endParaRPr lang="sr-Latn-RS"/>
+          </a:p>
+        </p:txBody>
+      </p:sp>
+    </p:spTree>
+    <p:extLst>
+      <p:ext uri="{BB962C8B-B14F-4D97-AF65-F5344CB8AC3E}">
+        <p14:creationId xmlns:p14="http://schemas.microsoft.com/office/powerpoint/2010/main" val="61999700"/>
+      </p:ext>
+    </p:extLst>
+  </p:cSld>
+  <p:clrMapOvr>
+    <a:masterClrMapping/>
+  </p:clrMapOvr>
 </p:sld>
 </file>
 

--- a/sesija-26/PPT/Front-End Developer-26.pptx
+++ b/sesija-26/PPT/Front-End Developer-26.pptx
@@ -6,7 +6,7 @@
     <p:sldMasterId id="2147483676" r:id="rId2"/>
   </p:sldMasterIdLst>
   <p:notesMasterIdLst>
-    <p:notesMasterId r:id="rId8"/>
+    <p:notesMasterId r:id="rId10"/>
   </p:notesMasterIdLst>
   <p:sldIdLst>
     <p:sldId id="256" r:id="rId3"/>
@@ -14,6 +14,8 @@
     <p:sldId id="258" r:id="rId5"/>
     <p:sldId id="263" r:id="rId6"/>
     <p:sldId id="264" r:id="rId7"/>
+    <p:sldId id="265" r:id="rId8"/>
+    <p:sldId id="266" r:id="rId9"/>
   </p:sldIdLst>
   <p:sldSz cx="12192000" cy="6858000"/>
   <p:notesSz cx="6858000" cy="9144000"/>
@@ -122,6 +124,8 @@
             <p14:sldId id="258"/>
             <p14:sldId id="263"/>
             <p14:sldId id="264"/>
+            <p14:sldId id="265"/>
+            <p14:sldId id="266"/>
           </p14:sldIdLst>
         </p14:section>
       </p14:sectionLst>
@@ -7871,14 +7875,47 @@
             <a:pPr lvl="1"/>
             <a:r>
               <a:rPr lang="en-US" smtClean="0"/>
-              <a:t>JSON</a:t>
-            </a:r>
+              <a:t>JSON – sta znai skracenica?</a:t>
+            </a:r>
+            <a:endParaRPr lang="en-US" smtClean="0"/>
           </a:p>
           <a:p>
             <a:pPr lvl="1"/>
             <a:r>
               <a:rPr lang="en-US" smtClean="0"/>
-              <a:t>Koji tipovi podataka postoje u JSON?</a:t>
+              <a:t>Koji tipovi podataka postoje u JSON</a:t>
+            </a:r>
+            <a:r>
+              <a:rPr lang="en-US" smtClean="0"/>
+              <a:t>?</a:t>
+            </a:r>
+          </a:p>
+          <a:p>
+            <a:pPr lvl="1"/>
+            <a:r>
+              <a:rPr lang="en-US" smtClean="0"/>
+              <a:t>Kako mogu da prenesem method iz JSON sa stringify?</a:t>
+            </a:r>
+          </a:p>
+          <a:p>
+            <a:pPr lvl="1"/>
+            <a:r>
+              <a:rPr lang="en-US" smtClean="0"/>
+              <a:t>Da li se datumi serijalizuju?</a:t>
+            </a:r>
+          </a:p>
+          <a:p>
+            <a:pPr lvl="1"/>
+            <a:r>
+              <a:rPr lang="en-US" smtClean="0"/>
+              <a:t>Da li se serijalizuje null?</a:t>
+            </a:r>
+          </a:p>
+          <a:p>
+            <a:pPr lvl="1"/>
+            <a:r>
+              <a:rPr lang="en-US" smtClean="0"/>
+              <a:t>Da li se serijalizuje undefined?</a:t>
             </a:r>
             <a:endParaRPr lang="en-US" smtClean="0"/>
           </a:p>
@@ -8048,13 +8085,113 @@
           <a:bodyPr/>
           <a:lstStyle/>
           <a:p>
+            <a:r>
+              <a:rPr lang="en-US" smtClean="0"/>
+              <a:t>Priroda Http request-a</a:t>
+            </a:r>
+            <a:endParaRPr lang="sr-Latn-RS"/>
+          </a:p>
+        </p:txBody>
+      </p:sp>
+      <p:pic>
+        <p:nvPicPr>
+          <p:cNvPr id="1026" name="Picture 2" descr="https://cdn.tutsplus.com/net/authors/jeremymcpeak/http1-request-response.png"/>
+          <p:cNvPicPr>
+            <a:picLocks noGrp="1" noChangeAspect="1" noChangeArrowheads="1"/>
+          </p:cNvPicPr>
+          <p:nvPr>
+            <p:ph sz="quarter" idx="10"/>
+          </p:nvPr>
+        </p:nvPicPr>
+        <p:blipFill>
+          <a:blip r:embed="rId2">
+            <a:extLst>
+              <a:ext uri="{28A0092B-C50C-407E-A947-70E740481C1C}">
+                <a14:useLocalDpi xmlns:a14="http://schemas.microsoft.com/office/drawing/2010/main" val="0"/>
+              </a:ext>
+            </a:extLst>
+          </a:blip>
+          <a:srcRect/>
+          <a:stretch>
+            <a:fillRect/>
+          </a:stretch>
+        </p:blipFill>
+        <p:spPr bwMode="auto">
+          <a:xfrm>
+            <a:off x="3046065" y="2392608"/>
+            <a:ext cx="4438650" cy="1847850"/>
+          </a:xfrm>
+          <a:prstGeom prst="rect">
+            <a:avLst/>
+          </a:prstGeom>
+          <a:noFill/>
+          <a:extLst>
+            <a:ext uri="{909E8E84-426E-40DD-AFC4-6F175D3DCCD1}">
+              <a14:hiddenFill xmlns:a14="http://schemas.microsoft.com/office/drawing/2010/main">
+                <a:solidFill>
+                  <a:srgbClr val="FFFFFF"/>
+                </a:solidFill>
+              </a14:hiddenFill>
+            </a:ext>
+          </a:extLst>
+        </p:spPr>
+      </p:pic>
+    </p:spTree>
+    <p:extLst>
+      <p:ext uri="{BB962C8B-B14F-4D97-AF65-F5344CB8AC3E}">
+        <p14:creationId xmlns:p14="http://schemas.microsoft.com/office/powerpoint/2010/main" val="61999700"/>
+      </p:ext>
+    </p:extLst>
+  </p:cSld>
+  <p:clrMapOvr>
+    <a:masterClrMapping/>
+  </p:clrMapOvr>
+</p:sld>
+</file>
+
+<file path=ppt/slides/slide6.xml><?xml version="1.0" encoding="utf-8"?>
+<p:sld xmlns:a="http://schemas.openxmlformats.org/drawingml/2006/main" xmlns:r="http://schemas.openxmlformats.org/officeDocument/2006/relationships" xmlns:p="http://schemas.openxmlformats.org/presentationml/2006/main">
+  <p:cSld>
+    <p:spTree>
+      <p:nvGrpSpPr>
+        <p:cNvPr id="1" name=""/>
+        <p:cNvGrpSpPr/>
+        <p:nvPr/>
+      </p:nvGrpSpPr>
+      <p:grpSpPr>
+        <a:xfrm>
+          <a:off x="0" y="0"/>
+          <a:ext cx="0" cy="0"/>
+          <a:chOff x="0" y="0"/>
+          <a:chExt cx="0" cy="0"/>
+        </a:xfrm>
+      </p:grpSpPr>
+      <p:sp>
+        <p:nvSpPr>
+          <p:cNvPr id="2" name="Title 1"/>
+          <p:cNvSpPr>
+            <a:spLocks noGrp="1"/>
+          </p:cNvSpPr>
+          <p:nvPr>
+            <p:ph type="title"/>
+          </p:nvPr>
+        </p:nvSpPr>
+        <p:spPr/>
+        <p:txBody>
+          <a:bodyPr/>
+          <a:lstStyle/>
+          <a:p>
+            <a:r>
+              <a:rPr lang="en-US" smtClean="0"/>
+              <a:t>Html “aplikacije”</a:t>
+            </a:r>
             <a:endParaRPr lang="sr-Latn-RS"/>
           </a:p>
         </p:txBody>
       </p:sp>
       <p:sp>
         <p:nvSpPr>
-          <p:cNvPr id="5" name="Content Placeholder 4"/>
+          <p:cNvPr id="3" name="Content Placeholder 2"/>
           <p:cNvSpPr>
             <a:spLocks noGrp="1"/>
           </p:cNvSpPr>
@@ -8067,6 +8204,40 @@
           <a:bodyPr/>
           <a:lstStyle/>
           <a:p>
+            <a:r>
+              <a:rPr lang="en-US" smtClean="0"/>
+              <a:t>Serverski code</a:t>
+            </a:r>
+          </a:p>
+          <a:p>
+            <a:r>
+              <a:rPr lang="en-US" smtClean="0"/>
+              <a:t>ASP</a:t>
+            </a:r>
+          </a:p>
+          <a:p>
+            <a:r>
+              <a:rPr lang="en-US" smtClean="0"/>
+              <a:t>ASPX</a:t>
+            </a:r>
+          </a:p>
+          <a:p>
+            <a:r>
+              <a:rPr lang="en-US" smtClean="0"/>
+              <a:t>Java</a:t>
+            </a:r>
+          </a:p>
+          <a:p>
+            <a:r>
+              <a:rPr lang="en-US" smtClean="0"/>
+              <a:t>PHP</a:t>
+            </a:r>
+          </a:p>
+          <a:p>
+            <a:r>
+              <a:rPr lang="en-US" smtClean="0"/>
+              <a:t>Node.js</a:t>
+            </a:r>
             <a:endParaRPr lang="sr-Latn-RS"/>
           </a:p>
         </p:txBody>
@@ -8074,7 +8245,144 @@
     </p:spTree>
     <p:extLst>
       <p:ext uri="{BB962C8B-B14F-4D97-AF65-F5344CB8AC3E}">
-        <p14:creationId xmlns:p14="http://schemas.microsoft.com/office/powerpoint/2010/main" val="61999700"/>
+        <p14:creationId xmlns:p14="http://schemas.microsoft.com/office/powerpoint/2010/main" val="291924674"/>
+      </p:ext>
+    </p:extLst>
+  </p:cSld>
+  <p:clrMapOvr>
+    <a:masterClrMapping/>
+  </p:clrMapOvr>
+</p:sld>
+</file>
+
+<file path=ppt/slides/slide7.xml><?xml version="1.0" encoding="utf-8"?>
+<p:sld xmlns:a="http://schemas.openxmlformats.org/drawingml/2006/main" xmlns:r="http://schemas.openxmlformats.org/officeDocument/2006/relationships" xmlns:p="http://schemas.openxmlformats.org/presentationml/2006/main">
+  <p:cSld>
+    <p:spTree>
+      <p:nvGrpSpPr>
+        <p:cNvPr id="1" name=""/>
+        <p:cNvGrpSpPr/>
+        <p:nvPr/>
+      </p:nvGrpSpPr>
+      <p:grpSpPr>
+        <a:xfrm>
+          <a:off x="0" y="0"/>
+          <a:ext cx="0" cy="0"/>
+          <a:chOff x="0" y="0"/>
+          <a:chExt cx="0" cy="0"/>
+        </a:xfrm>
+      </p:grpSpPr>
+      <p:sp>
+        <p:nvSpPr>
+          <p:cNvPr id="2" name="Title 1"/>
+          <p:cNvSpPr>
+            <a:spLocks noGrp="1"/>
+          </p:cNvSpPr>
+          <p:nvPr>
+            <p:ph type="title"/>
+          </p:nvPr>
+        </p:nvSpPr>
+        <p:spPr/>
+        <p:txBody>
+          <a:bodyPr/>
+          <a:lstStyle/>
+          <a:p>
+            <a:r>
+              <a:rPr lang="en-US" smtClean="0"/>
+              <a:t>Da li mogu da se razmenjuju SAMO podaci?</a:t>
+            </a:r>
+            <a:endParaRPr lang="sr-Latn-RS"/>
+          </a:p>
+        </p:txBody>
+      </p:sp>
+      <p:pic>
+        <p:nvPicPr>
+          <p:cNvPr id="2050" name="Picture 2" descr="Image result for ajax get"/>
+          <p:cNvPicPr>
+            <a:picLocks noGrp="1" noChangeAspect="1" noChangeArrowheads="1"/>
+          </p:cNvPicPr>
+          <p:nvPr>
+            <p:ph sz="quarter" idx="10"/>
+          </p:nvPr>
+        </p:nvPicPr>
+        <p:blipFill>
+          <a:blip r:embed="rId2">
+            <a:extLst>
+              <a:ext uri="{28A0092B-C50C-407E-A947-70E740481C1C}">
+                <a14:useLocalDpi xmlns:a14="http://schemas.microsoft.com/office/drawing/2010/main" val="0"/>
+              </a:ext>
+            </a:extLst>
+          </a:blip>
+          <a:srcRect/>
+          <a:stretch>
+            <a:fillRect/>
+          </a:stretch>
+        </p:blipFill>
+        <p:spPr bwMode="auto">
+          <a:xfrm>
+            <a:off x="701790" y="2056116"/>
+            <a:ext cx="5965017" cy="3396600"/>
+          </a:xfrm>
+          <a:prstGeom prst="rect">
+            <a:avLst/>
+          </a:prstGeom>
+          <a:noFill/>
+          <a:extLst>
+            <a:ext uri="{909E8E84-426E-40DD-AFC4-6F175D3DCCD1}">
+              <a14:hiddenFill xmlns:a14="http://schemas.microsoft.com/office/drawing/2010/main">
+                <a:solidFill>
+                  <a:srgbClr val="FFFFFF"/>
+                </a:solidFill>
+              </a14:hiddenFill>
+            </a:ext>
+          </a:extLst>
+        </p:spPr>
+      </p:pic>
+      <p:pic>
+        <p:nvPicPr>
+          <p:cNvPr id="2052" name="Picture 4" descr="Image result for ajax get"/>
+          <p:cNvPicPr>
+            <a:picLocks noChangeAspect="1" noChangeArrowheads="1"/>
+          </p:cNvPicPr>
+          <p:nvPr/>
+        </p:nvPicPr>
+        <p:blipFill>
+          <a:blip r:embed="rId3">
+            <a:extLst>
+              <a:ext uri="{28A0092B-C50C-407E-A947-70E740481C1C}">
+                <a14:useLocalDpi xmlns:a14="http://schemas.microsoft.com/office/drawing/2010/main" val="0"/>
+              </a:ext>
+            </a:extLst>
+          </a:blip>
+          <a:srcRect/>
+          <a:stretch>
+            <a:fillRect/>
+          </a:stretch>
+        </p:blipFill>
+        <p:spPr bwMode="auto">
+          <a:xfrm>
+            <a:off x="7653653" y="2172710"/>
+            <a:ext cx="2853633" cy="2318578"/>
+          </a:xfrm>
+          <a:prstGeom prst="rect">
+            <a:avLst/>
+          </a:prstGeom>
+          <a:noFill/>
+          <a:extLst>
+            <a:ext uri="{909E8E84-426E-40DD-AFC4-6F175D3DCCD1}">
+              <a14:hiddenFill xmlns:a14="http://schemas.microsoft.com/office/drawing/2010/main">
+                <a:solidFill>
+                  <a:srgbClr val="FFFFFF"/>
+                </a:solidFill>
+              </a14:hiddenFill>
+            </a:ext>
+          </a:extLst>
+        </p:spPr>
+      </p:pic>
+    </p:spTree>
+    <p:extLst>
+      <p:ext uri="{BB962C8B-B14F-4D97-AF65-F5344CB8AC3E}">
+        <p14:creationId xmlns:p14="http://schemas.microsoft.com/office/powerpoint/2010/main" val="1212241899"/>
       </p:ext>
     </p:extLst>
   </p:cSld>

--- a/sesija-26/PPT/Front-End Developer-26.pptx
+++ b/sesija-26/PPT/Front-End Developer-26.pptx
@@ -6,7 +6,7 @@
     <p:sldMasterId id="2147483676" r:id="rId2"/>
   </p:sldMasterIdLst>
   <p:notesMasterIdLst>
-    <p:notesMasterId r:id="rId10"/>
+    <p:notesMasterId r:id="rId18"/>
   </p:notesMasterIdLst>
   <p:sldIdLst>
     <p:sldId id="256" r:id="rId3"/>
@@ -16,6 +16,14 @@
     <p:sldId id="264" r:id="rId7"/>
     <p:sldId id="265" r:id="rId8"/>
     <p:sldId id="266" r:id="rId9"/>
+    <p:sldId id="267" r:id="rId10"/>
+    <p:sldId id="268" r:id="rId11"/>
+    <p:sldId id="269" r:id="rId12"/>
+    <p:sldId id="270" r:id="rId13"/>
+    <p:sldId id="271" r:id="rId14"/>
+    <p:sldId id="272" r:id="rId15"/>
+    <p:sldId id="273" r:id="rId16"/>
+    <p:sldId id="274" r:id="rId17"/>
   </p:sldIdLst>
   <p:sldSz cx="12192000" cy="6858000"/>
   <p:notesSz cx="6858000" cy="9144000"/>
@@ -126,6 +134,14 @@
             <p14:sldId id="264"/>
             <p14:sldId id="265"/>
             <p14:sldId id="266"/>
+            <p14:sldId id="267"/>
+            <p14:sldId id="268"/>
+            <p14:sldId id="269"/>
+            <p14:sldId id="270"/>
+            <p14:sldId id="271"/>
+            <p14:sldId id="272"/>
+            <p14:sldId id="273"/>
+            <p14:sldId id="274"/>
           </p14:sldIdLst>
         </p14:section>
       </p14:sectionLst>
@@ -2533,7 +2549,7 @@
           <a:p>
             <a:fld id="{D32AC403-8EB1-4D4E-8C3A-24BD19820531}" type="datetimeFigureOut">
               <a:rPr lang="en-US" smtClean="0"/>
-              <a:t>11-Apr-18</a:t>
+              <a:t>12-Apr-18</a:t>
             </a:fld>
             <a:endParaRPr lang="en-US"/>
           </a:p>
@@ -3279,7 +3295,7 @@
           <a:p>
             <a:fld id="{B35B300D-7DF5-4E96-8AA6-60E94C6E9F44}" type="datetimeFigureOut">
               <a:rPr lang="sr-Latn-RS" smtClean="0"/>
-              <a:t>11.4.2018.</a:t>
+              <a:t>12.4.2018.</a:t>
             </a:fld>
             <a:endParaRPr lang="sr-Latn-RS"/>
           </a:p>
@@ -3713,7 +3729,7 @@
           <a:p>
             <a:fld id="{B35B300D-7DF5-4E96-8AA6-60E94C6E9F44}" type="datetimeFigureOut">
               <a:rPr lang="sr-Latn-RS" smtClean="0"/>
-              <a:t>11.4.2018.</a:t>
+              <a:t>12.4.2018.</a:t>
             </a:fld>
             <a:endParaRPr lang="sr-Latn-RS"/>
           </a:p>
@@ -4087,7 +4103,7 @@
           <a:p>
             <a:fld id="{B35B300D-7DF5-4E96-8AA6-60E94C6E9F44}" type="datetimeFigureOut">
               <a:rPr lang="sr-Latn-RS" smtClean="0"/>
-              <a:t>11.4.2018.</a:t>
+              <a:t>12.4.2018.</a:t>
             </a:fld>
             <a:endParaRPr lang="sr-Latn-RS"/>
           </a:p>
@@ -4371,7 +4387,7 @@
           <a:p>
             <a:fld id="{B35B300D-7DF5-4E96-8AA6-60E94C6E9F44}" type="datetimeFigureOut">
               <a:rPr lang="sr-Latn-RS" smtClean="0"/>
-              <a:t>11.4.2018.</a:t>
+              <a:t>12.4.2018.</a:t>
             </a:fld>
             <a:endParaRPr lang="sr-Latn-RS"/>
           </a:p>
@@ -4548,7 +4564,7 @@
           <a:p>
             <a:fld id="{B35B300D-7DF5-4E96-8AA6-60E94C6E9F44}" type="datetimeFigureOut">
               <a:rPr lang="sr-Latn-RS" smtClean="0"/>
-              <a:t>11.4.2018.</a:t>
+              <a:t>12.4.2018.</a:t>
             </a:fld>
             <a:endParaRPr lang="sr-Latn-RS"/>
           </a:p>
@@ -4735,7 +4751,7 @@
           <a:p>
             <a:fld id="{B35B300D-7DF5-4E96-8AA6-60E94C6E9F44}" type="datetimeFigureOut">
               <a:rPr lang="sr-Latn-RS" smtClean="0"/>
-              <a:t>11.4.2018.</a:t>
+              <a:t>12.4.2018.</a:t>
             </a:fld>
             <a:endParaRPr lang="sr-Latn-RS"/>
           </a:p>
@@ -4982,7 +4998,7 @@
           <a:p>
             <a:fld id="{B35B300D-7DF5-4E96-8AA6-60E94C6E9F44}" type="datetimeFigureOut">
               <a:rPr lang="sr-Latn-RS" smtClean="0"/>
-              <a:t>11.4.2018.</a:t>
+              <a:t>12.4.2018.</a:t>
             </a:fld>
             <a:endParaRPr lang="sr-Latn-RS"/>
           </a:p>
@@ -5266,7 +5282,7 @@
           <a:p>
             <a:fld id="{B35B300D-7DF5-4E96-8AA6-60E94C6E9F44}" type="datetimeFigureOut">
               <a:rPr lang="sr-Latn-RS" smtClean="0"/>
-              <a:t>11.4.2018.</a:t>
+              <a:t>12.4.2018.</a:t>
             </a:fld>
             <a:endParaRPr lang="sr-Latn-RS"/>
           </a:p>
@@ -7185,7 +7201,7 @@
           <a:p>
             <a:fld id="{B35B300D-7DF5-4E96-8AA6-60E94C6E9F44}" type="datetimeFigureOut">
               <a:rPr lang="sr-Latn-RS" smtClean="0"/>
-              <a:t>11.4.2018.</a:t>
+              <a:t>12.4.2018.</a:t>
             </a:fld>
             <a:endParaRPr lang="sr-Latn-RS"/>
           </a:p>
@@ -7668,6 +7684,504 @@
 </p:sld>
 </file>
 
+<file path=ppt/slides/slide10.xml><?xml version="1.0" encoding="utf-8"?>
+<p:sld xmlns:a="http://schemas.openxmlformats.org/drawingml/2006/main" xmlns:r="http://schemas.openxmlformats.org/officeDocument/2006/relationships" xmlns:p="http://schemas.openxmlformats.org/presentationml/2006/main">
+  <p:cSld>
+    <p:spTree>
+      <p:nvGrpSpPr>
+        <p:cNvPr id="1" name=""/>
+        <p:cNvGrpSpPr/>
+        <p:nvPr/>
+      </p:nvGrpSpPr>
+      <p:grpSpPr>
+        <a:xfrm>
+          <a:off x="0" y="0"/>
+          <a:ext cx="0" cy="0"/>
+          <a:chOff x="0" y="0"/>
+          <a:chExt cx="0" cy="0"/>
+        </a:xfrm>
+      </p:grpSpPr>
+      <p:sp>
+        <p:nvSpPr>
+          <p:cNvPr id="2" name="Title 1"/>
+          <p:cNvSpPr>
+            <a:spLocks noGrp="1"/>
+          </p:cNvSpPr>
+          <p:nvPr>
+            <p:ph type="title"/>
+          </p:nvPr>
+        </p:nvSpPr>
+        <p:spPr/>
+        <p:txBody>
+          <a:bodyPr/>
+          <a:lstStyle/>
+          <a:p>
+            <a:r>
+              <a:rPr lang="en-US" smtClean="0"/>
+              <a:t>Cekam odgovor …</a:t>
+            </a:r>
+            <a:endParaRPr lang="sr-Latn-RS"/>
+          </a:p>
+        </p:txBody>
+      </p:sp>
+      <p:pic>
+        <p:nvPicPr>
+          <p:cNvPr id="4" name="Content Placeholder 3"/>
+          <p:cNvPicPr>
+            <a:picLocks noGrp="1" noChangeAspect="1"/>
+          </p:cNvPicPr>
+          <p:nvPr>
+            <p:ph sz="quarter" idx="10"/>
+          </p:nvPr>
+        </p:nvPicPr>
+        <p:blipFill>
+          <a:blip r:embed="rId2"/>
+          <a:stretch>
+            <a:fillRect/>
+          </a:stretch>
+        </p:blipFill>
+        <p:spPr>
+          <a:xfrm>
+            <a:off x="1381745" y="1545151"/>
+            <a:ext cx="5915851" cy="1428949"/>
+          </a:xfrm>
+          <a:prstGeom prst="rect">
+            <a:avLst/>
+          </a:prstGeom>
+        </p:spPr>
+      </p:pic>
+      <p:pic>
+        <p:nvPicPr>
+          <p:cNvPr id="5" name="Picture 4"/>
+          <p:cNvPicPr>
+            <a:picLocks noChangeAspect="1"/>
+          </p:cNvPicPr>
+          <p:nvPr/>
+        </p:nvPicPr>
+        <p:blipFill>
+          <a:blip r:embed="rId3"/>
+          <a:stretch>
+            <a:fillRect/>
+          </a:stretch>
+        </p:blipFill>
+        <p:spPr>
+          <a:xfrm>
+            <a:off x="1381745" y="3100852"/>
+            <a:ext cx="8497486" cy="2019582"/>
+          </a:xfrm>
+          <a:prstGeom prst="rect">
+            <a:avLst/>
+          </a:prstGeom>
+        </p:spPr>
+      </p:pic>
+    </p:spTree>
+    <p:extLst>
+      <p:ext uri="{BB962C8B-B14F-4D97-AF65-F5344CB8AC3E}">
+        <p14:creationId xmlns:p14="http://schemas.microsoft.com/office/powerpoint/2010/main" val="649422628"/>
+      </p:ext>
+    </p:extLst>
+  </p:cSld>
+  <p:clrMapOvr>
+    <a:masterClrMapping/>
+  </p:clrMapOvr>
+</p:sld>
+</file>
+
+<file path=ppt/slides/slide11.xml><?xml version="1.0" encoding="utf-8"?>
+<p:sld xmlns:a="http://schemas.openxmlformats.org/drawingml/2006/main" xmlns:r="http://schemas.openxmlformats.org/officeDocument/2006/relationships" xmlns:p="http://schemas.openxmlformats.org/presentationml/2006/main">
+  <p:cSld>
+    <p:spTree>
+      <p:nvGrpSpPr>
+        <p:cNvPr id="1" name=""/>
+        <p:cNvGrpSpPr/>
+        <p:nvPr/>
+      </p:nvGrpSpPr>
+      <p:grpSpPr>
+        <a:xfrm>
+          <a:off x="0" y="0"/>
+          <a:ext cx="0" cy="0"/>
+          <a:chOff x="0" y="0"/>
+          <a:chExt cx="0" cy="0"/>
+        </a:xfrm>
+      </p:grpSpPr>
+      <p:sp>
+        <p:nvSpPr>
+          <p:cNvPr id="2" name="Title 1"/>
+          <p:cNvSpPr>
+            <a:spLocks noGrp="1"/>
+          </p:cNvSpPr>
+          <p:nvPr>
+            <p:ph type="title"/>
+          </p:nvPr>
+        </p:nvSpPr>
+        <p:spPr/>
+        <p:txBody>
+          <a:bodyPr/>
+          <a:lstStyle/>
+          <a:p>
+            <a:r>
+              <a:rPr lang="en-US" smtClean="0"/>
+              <a:t>Step 2</a:t>
+            </a:r>
+            <a:endParaRPr lang="sr-Latn-RS"/>
+          </a:p>
+        </p:txBody>
+      </p:sp>
+      <p:pic>
+        <p:nvPicPr>
+          <p:cNvPr id="4" name="Content Placeholder 3"/>
+          <p:cNvPicPr>
+            <a:picLocks noGrp="1" noChangeAspect="1"/>
+          </p:cNvPicPr>
+          <p:nvPr>
+            <p:ph sz="quarter" idx="10"/>
+          </p:nvPr>
+        </p:nvPicPr>
+        <p:blipFill>
+          <a:blip r:embed="rId2"/>
+          <a:stretch>
+            <a:fillRect/>
+          </a:stretch>
+        </p:blipFill>
+        <p:spPr>
+          <a:xfrm>
+            <a:off x="676729" y="1676977"/>
+            <a:ext cx="6547031" cy="4135404"/>
+          </a:xfrm>
+          <a:prstGeom prst="rect">
+            <a:avLst/>
+          </a:prstGeom>
+        </p:spPr>
+      </p:pic>
+    </p:spTree>
+    <p:extLst>
+      <p:ext uri="{BB962C8B-B14F-4D97-AF65-F5344CB8AC3E}">
+        <p14:creationId xmlns:p14="http://schemas.microsoft.com/office/powerpoint/2010/main" val="3217789490"/>
+      </p:ext>
+    </p:extLst>
+  </p:cSld>
+  <p:clrMapOvr>
+    <a:masterClrMapping/>
+  </p:clrMapOvr>
+</p:sld>
+</file>
+
+<file path=ppt/slides/slide12.xml><?xml version="1.0" encoding="utf-8"?>
+<p:sld xmlns:a="http://schemas.openxmlformats.org/drawingml/2006/main" xmlns:r="http://schemas.openxmlformats.org/officeDocument/2006/relationships" xmlns:p="http://schemas.openxmlformats.org/presentationml/2006/main">
+  <p:cSld>
+    <p:spTree>
+      <p:nvGrpSpPr>
+        <p:cNvPr id="1" name=""/>
+        <p:cNvGrpSpPr/>
+        <p:nvPr/>
+      </p:nvGrpSpPr>
+      <p:grpSpPr>
+        <a:xfrm>
+          <a:off x="0" y="0"/>
+          <a:ext cx="0" cy="0"/>
+          <a:chOff x="0" y="0"/>
+          <a:chExt cx="0" cy="0"/>
+        </a:xfrm>
+      </p:grpSpPr>
+      <p:sp>
+        <p:nvSpPr>
+          <p:cNvPr id="2" name="Title 1"/>
+          <p:cNvSpPr>
+            <a:spLocks noGrp="1"/>
+          </p:cNvSpPr>
+          <p:nvPr>
+            <p:ph type="title"/>
+          </p:nvPr>
+        </p:nvSpPr>
+        <p:spPr/>
+        <p:txBody>
+          <a:bodyPr/>
+          <a:lstStyle/>
+          <a:p>
+            <a:r>
+              <a:rPr lang="en-US" smtClean="0"/>
+              <a:t>readyState values</a:t>
+            </a:r>
+            <a:endParaRPr lang="sr-Latn-RS"/>
+          </a:p>
+        </p:txBody>
+      </p:sp>
+      <p:pic>
+        <p:nvPicPr>
+          <p:cNvPr id="4" name="Content Placeholder 3"/>
+          <p:cNvPicPr>
+            <a:picLocks noGrp="1" noChangeAspect="1"/>
+          </p:cNvPicPr>
+          <p:nvPr>
+            <p:ph sz="quarter" idx="10"/>
+          </p:nvPr>
+        </p:nvPicPr>
+        <p:blipFill>
+          <a:blip r:embed="rId2"/>
+          <a:stretch>
+            <a:fillRect/>
+          </a:stretch>
+        </p:blipFill>
+        <p:spPr>
+          <a:xfrm>
+            <a:off x="1039406" y="2211023"/>
+            <a:ext cx="7487695" cy="2543530"/>
+          </a:xfrm>
+          <a:prstGeom prst="rect">
+            <a:avLst/>
+          </a:prstGeom>
+        </p:spPr>
+      </p:pic>
+    </p:spTree>
+    <p:extLst>
+      <p:ext uri="{BB962C8B-B14F-4D97-AF65-F5344CB8AC3E}">
+        <p14:creationId xmlns:p14="http://schemas.microsoft.com/office/powerpoint/2010/main" val="680466702"/>
+      </p:ext>
+    </p:extLst>
+  </p:cSld>
+  <p:clrMapOvr>
+    <a:masterClrMapping/>
+  </p:clrMapOvr>
+</p:sld>
+</file>
+
+<file path=ppt/slides/slide13.xml><?xml version="1.0" encoding="utf-8"?>
+<p:sld xmlns:a="http://schemas.openxmlformats.org/drawingml/2006/main" xmlns:r="http://schemas.openxmlformats.org/officeDocument/2006/relationships" xmlns:p="http://schemas.openxmlformats.org/presentationml/2006/main">
+  <p:cSld>
+    <p:spTree>
+      <p:nvGrpSpPr>
+        <p:cNvPr id="1" name=""/>
+        <p:cNvGrpSpPr/>
+        <p:nvPr/>
+      </p:nvGrpSpPr>
+      <p:grpSpPr>
+        <a:xfrm>
+          <a:off x="0" y="0"/>
+          <a:ext cx="0" cy="0"/>
+          <a:chOff x="0" y="0"/>
+          <a:chExt cx="0" cy="0"/>
+        </a:xfrm>
+      </p:grpSpPr>
+      <p:sp>
+        <p:nvSpPr>
+          <p:cNvPr id="2" name="Title 1"/>
+          <p:cNvSpPr>
+            <a:spLocks noGrp="1"/>
+          </p:cNvSpPr>
+          <p:nvPr>
+            <p:ph type="title"/>
+          </p:nvPr>
+        </p:nvSpPr>
+        <p:spPr/>
+        <p:txBody>
+          <a:bodyPr/>
+          <a:lstStyle/>
+          <a:p>
+            <a:r>
+              <a:rPr lang="en-US" smtClean="0"/>
+              <a:t>Provera status === 200</a:t>
+            </a:r>
+            <a:endParaRPr lang="sr-Latn-RS"/>
+          </a:p>
+        </p:txBody>
+      </p:sp>
+      <p:pic>
+        <p:nvPicPr>
+          <p:cNvPr id="4" name="Content Placeholder 3"/>
+          <p:cNvPicPr>
+            <a:picLocks noGrp="1" noChangeAspect="1"/>
+          </p:cNvPicPr>
+          <p:nvPr>
+            <p:ph sz="quarter" idx="10"/>
+          </p:nvPr>
+        </p:nvPicPr>
+        <p:blipFill>
+          <a:blip r:embed="rId2"/>
+          <a:stretch>
+            <a:fillRect/>
+          </a:stretch>
+        </p:blipFill>
+        <p:spPr>
+          <a:xfrm>
+            <a:off x="856616" y="1882364"/>
+            <a:ext cx="7854696" cy="3387905"/>
+          </a:xfrm>
+          <a:prstGeom prst="rect">
+            <a:avLst/>
+          </a:prstGeom>
+        </p:spPr>
+      </p:pic>
+    </p:spTree>
+    <p:extLst>
+      <p:ext uri="{BB962C8B-B14F-4D97-AF65-F5344CB8AC3E}">
+        <p14:creationId xmlns:p14="http://schemas.microsoft.com/office/powerpoint/2010/main" val="4080591514"/>
+      </p:ext>
+    </p:extLst>
+  </p:cSld>
+  <p:clrMapOvr>
+    <a:masterClrMapping/>
+  </p:clrMapOvr>
+</p:sld>
+</file>
+
+<file path=ppt/slides/slide14.xml><?xml version="1.0" encoding="utf-8"?>
+<p:sld xmlns:a="http://schemas.openxmlformats.org/drawingml/2006/main" xmlns:r="http://schemas.openxmlformats.org/officeDocument/2006/relationships" xmlns:p="http://schemas.openxmlformats.org/presentationml/2006/main">
+  <p:cSld>
+    <p:spTree>
+      <p:nvGrpSpPr>
+        <p:cNvPr id="1" name=""/>
+        <p:cNvGrpSpPr/>
+        <p:nvPr/>
+      </p:nvGrpSpPr>
+      <p:grpSpPr>
+        <a:xfrm>
+          <a:off x="0" y="0"/>
+          <a:ext cx="0" cy="0"/>
+          <a:chOff x="0" y="0"/>
+          <a:chExt cx="0" cy="0"/>
+        </a:xfrm>
+      </p:grpSpPr>
+      <p:sp>
+        <p:nvSpPr>
+          <p:cNvPr id="2" name="Title 1"/>
+          <p:cNvSpPr>
+            <a:spLocks noGrp="1"/>
+          </p:cNvSpPr>
+          <p:nvPr>
+            <p:ph type="title"/>
+          </p:nvPr>
+        </p:nvSpPr>
+        <p:spPr/>
+        <p:txBody>
+          <a:bodyPr/>
+          <a:lstStyle/>
+          <a:p>
+            <a:r>
+              <a:rPr lang="en-US" smtClean="0"/>
+              <a:t>Upotreba server response</a:t>
+            </a:r>
+            <a:endParaRPr lang="sr-Latn-RS"/>
+          </a:p>
+        </p:txBody>
+      </p:sp>
+      <p:pic>
+        <p:nvPicPr>
+          <p:cNvPr id="4" name="Content Placeholder 3"/>
+          <p:cNvPicPr>
+            <a:picLocks noGrp="1" noChangeAspect="1"/>
+          </p:cNvPicPr>
+          <p:nvPr>
+            <p:ph sz="quarter" idx="10"/>
+          </p:nvPr>
+        </p:nvPicPr>
+        <p:blipFill>
+          <a:blip r:embed="rId2"/>
+          <a:stretch>
+            <a:fillRect/>
+          </a:stretch>
+        </p:blipFill>
+        <p:spPr>
+          <a:xfrm>
+            <a:off x="609480" y="1655493"/>
+            <a:ext cx="8621750" cy="3456834"/>
+          </a:xfrm>
+          <a:prstGeom prst="rect">
+            <a:avLst/>
+          </a:prstGeom>
+        </p:spPr>
+      </p:pic>
+    </p:spTree>
+    <p:extLst>
+      <p:ext uri="{BB962C8B-B14F-4D97-AF65-F5344CB8AC3E}">
+        <p14:creationId xmlns:p14="http://schemas.microsoft.com/office/powerpoint/2010/main" val="65615565"/>
+      </p:ext>
+    </p:extLst>
+  </p:cSld>
+  <p:clrMapOvr>
+    <a:masterClrMapping/>
+  </p:clrMapOvr>
+</p:sld>
+</file>
+
+<file path=ppt/slides/slide15.xml><?xml version="1.0" encoding="utf-8"?>
+<p:sld xmlns:a="http://schemas.openxmlformats.org/drawingml/2006/main" xmlns:r="http://schemas.openxmlformats.org/officeDocument/2006/relationships" xmlns:p="http://schemas.openxmlformats.org/presentationml/2006/main">
+  <p:cSld>
+    <p:spTree>
+      <p:nvGrpSpPr>
+        <p:cNvPr id="1" name=""/>
+        <p:cNvGrpSpPr/>
+        <p:nvPr/>
+      </p:nvGrpSpPr>
+      <p:grpSpPr>
+        <a:xfrm>
+          <a:off x="0" y="0"/>
+          <a:ext cx="0" cy="0"/>
+          <a:chOff x="0" y="0"/>
+          <a:chExt cx="0" cy="0"/>
+        </a:xfrm>
+      </p:grpSpPr>
+      <p:sp>
+        <p:nvSpPr>
+          <p:cNvPr id="2" name="Title 1"/>
+          <p:cNvSpPr>
+            <a:spLocks noGrp="1"/>
+          </p:cNvSpPr>
+          <p:nvPr>
+            <p:ph type="title"/>
+          </p:nvPr>
+        </p:nvSpPr>
+        <p:spPr/>
+        <p:txBody>
+          <a:bodyPr/>
+          <a:lstStyle/>
+          <a:p>
+            <a:r>
+              <a:rPr lang="en-US" smtClean="0"/>
+              <a:t>Coding challenge!</a:t>
+            </a:r>
+            <a:endParaRPr lang="sr-Latn-RS"/>
+          </a:p>
+        </p:txBody>
+      </p:sp>
+      <p:pic>
+        <p:nvPicPr>
+          <p:cNvPr id="4" name="Content Placeholder 3"/>
+          <p:cNvPicPr>
+            <a:picLocks noGrp="1" noChangeAspect="1"/>
+          </p:cNvPicPr>
+          <p:nvPr>
+            <p:ph sz="quarter" idx="10"/>
+          </p:nvPr>
+        </p:nvPicPr>
+        <p:blipFill>
+          <a:blip r:embed="rId2"/>
+          <a:stretch>
+            <a:fillRect/>
+          </a:stretch>
+        </p:blipFill>
+        <p:spPr>
+          <a:xfrm>
+            <a:off x="1125352" y="2296576"/>
+            <a:ext cx="8838876" cy="2757562"/>
+          </a:xfrm>
+          <a:prstGeom prst="rect">
+            <a:avLst/>
+          </a:prstGeom>
+        </p:spPr>
+      </p:pic>
+    </p:spTree>
+    <p:extLst>
+      <p:ext uri="{BB962C8B-B14F-4D97-AF65-F5344CB8AC3E}">
+        <p14:creationId xmlns:p14="http://schemas.microsoft.com/office/powerpoint/2010/main" val="3295614837"/>
+      </p:ext>
+    </p:extLst>
+  </p:cSld>
+  <p:clrMapOvr>
+    <a:masterClrMapping/>
+  </p:clrMapOvr>
+</p:sld>
+</file>
+
 <file path=ppt/slides/slide2.xml><?xml version="1.0" encoding="utf-8"?>
 <p:sld xmlns:a="http://schemas.openxmlformats.org/drawingml/2006/main" xmlns:r="http://schemas.openxmlformats.org/officeDocument/2006/relationships" xmlns:p="http://schemas.openxmlformats.org/presentationml/2006/main">
   <p:cSld>
@@ -7877,17 +8391,12 @@
               <a:rPr lang="en-US" smtClean="0"/>
               <a:t>JSON – sta znai skracenica?</a:t>
             </a:r>
-            <a:endParaRPr lang="en-US" smtClean="0"/>
           </a:p>
           <a:p>
             <a:pPr lvl="1"/>
             <a:r>
               <a:rPr lang="en-US" smtClean="0"/>
-              <a:t>Koji tipovi podataka postoje u JSON</a:t>
-            </a:r>
-            <a:r>
-              <a:rPr lang="en-US" smtClean="0"/>
-              <a:t>?</a:t>
+              <a:t>Koji tipovi podataka postoje u JSON?</a:t>
             </a:r>
           </a:p>
           <a:p>
@@ -7917,7 +8426,6 @@
               <a:rPr lang="en-US" smtClean="0"/>
               <a:t>Da li se serijalizuje undefined?</a:t>
             </a:r>
-            <a:endParaRPr lang="en-US" smtClean="0"/>
           </a:p>
         </p:txBody>
       </p:sp>
@@ -8383,6 +8891,192 @@
     <p:extLst>
       <p:ext uri="{BB962C8B-B14F-4D97-AF65-F5344CB8AC3E}">
         <p14:creationId xmlns:p14="http://schemas.microsoft.com/office/powerpoint/2010/main" val="1212241899"/>
+      </p:ext>
+    </p:extLst>
+  </p:cSld>
+  <p:clrMapOvr>
+    <a:masterClrMapping/>
+  </p:clrMapOvr>
+</p:sld>
+</file>
+
+<file path=ppt/slides/slide8.xml><?xml version="1.0" encoding="utf-8"?>
+<p:sld xmlns:a="http://schemas.openxmlformats.org/drawingml/2006/main" xmlns:r="http://schemas.openxmlformats.org/officeDocument/2006/relationships" xmlns:p="http://schemas.openxmlformats.org/presentationml/2006/main">
+  <p:cSld>
+    <p:spTree>
+      <p:nvGrpSpPr>
+        <p:cNvPr id="1" name=""/>
+        <p:cNvGrpSpPr/>
+        <p:nvPr/>
+      </p:nvGrpSpPr>
+      <p:grpSpPr>
+        <a:xfrm>
+          <a:off x="0" y="0"/>
+          <a:ext cx="0" cy="0"/>
+          <a:chOff x="0" y="0"/>
+          <a:chExt cx="0" cy="0"/>
+        </a:xfrm>
+      </p:grpSpPr>
+      <p:sp>
+        <p:nvSpPr>
+          <p:cNvPr id="2" name="Title 1"/>
+          <p:cNvSpPr>
+            <a:spLocks noGrp="1"/>
+          </p:cNvSpPr>
+          <p:nvPr>
+            <p:ph type="title"/>
+          </p:nvPr>
+        </p:nvSpPr>
+        <p:spPr/>
+        <p:txBody>
+          <a:bodyPr/>
+          <a:lstStyle/>
+          <a:p>
+            <a:r>
+              <a:rPr lang="en-US" smtClean="0"/>
+              <a:t>Sta je AJAX?</a:t>
+            </a:r>
+            <a:endParaRPr lang="sr-Latn-RS"/>
+          </a:p>
+        </p:txBody>
+      </p:sp>
+      <p:pic>
+        <p:nvPicPr>
+          <p:cNvPr id="4" name="Content Placeholder 3"/>
+          <p:cNvPicPr>
+            <a:picLocks noGrp="1" noChangeAspect="1"/>
+          </p:cNvPicPr>
+          <p:nvPr>
+            <p:ph sz="quarter" idx="10"/>
+          </p:nvPr>
+        </p:nvPicPr>
+        <p:blipFill>
+          <a:blip r:embed="rId2"/>
+          <a:stretch>
+            <a:fillRect/>
+          </a:stretch>
+        </p:blipFill>
+        <p:spPr>
+          <a:xfrm>
+            <a:off x="1302660" y="2051050"/>
+            <a:ext cx="7659454" cy="3328988"/>
+          </a:xfrm>
+          <a:prstGeom prst="rect">
+            <a:avLst/>
+          </a:prstGeom>
+        </p:spPr>
+      </p:pic>
+    </p:spTree>
+    <p:extLst>
+      <p:ext uri="{BB962C8B-B14F-4D97-AF65-F5344CB8AC3E}">
+        <p14:creationId xmlns:p14="http://schemas.microsoft.com/office/powerpoint/2010/main" val="1344378614"/>
+      </p:ext>
+    </p:extLst>
+  </p:cSld>
+  <p:clrMapOvr>
+    <a:masterClrMapping/>
+  </p:clrMapOvr>
+</p:sld>
+</file>
+
+<file path=ppt/slides/slide9.xml><?xml version="1.0" encoding="utf-8"?>
+<p:sld xmlns:a="http://schemas.openxmlformats.org/drawingml/2006/main" xmlns:r="http://schemas.openxmlformats.org/officeDocument/2006/relationships" xmlns:p="http://schemas.openxmlformats.org/presentationml/2006/main">
+  <p:cSld>
+    <p:spTree>
+      <p:nvGrpSpPr>
+        <p:cNvPr id="1" name=""/>
+        <p:cNvGrpSpPr/>
+        <p:nvPr/>
+      </p:nvGrpSpPr>
+      <p:grpSpPr>
+        <a:xfrm>
+          <a:off x="0" y="0"/>
+          <a:ext cx="0" cy="0"/>
+          <a:chOff x="0" y="0"/>
+          <a:chExt cx="0" cy="0"/>
+        </a:xfrm>
+      </p:grpSpPr>
+      <p:sp>
+        <p:nvSpPr>
+          <p:cNvPr id="2" name="Title 1"/>
+          <p:cNvSpPr>
+            <a:spLocks noGrp="1"/>
+          </p:cNvSpPr>
+          <p:nvPr>
+            <p:ph type="title"/>
+          </p:nvPr>
+        </p:nvSpPr>
+        <p:spPr/>
+        <p:txBody>
+          <a:bodyPr/>
+          <a:lstStyle/>
+          <a:p>
+            <a:r>
+              <a:rPr lang="en-US" smtClean="0"/>
+              <a:t>Step 1</a:t>
+            </a:r>
+            <a:endParaRPr lang="sr-Latn-RS"/>
+          </a:p>
+        </p:txBody>
+      </p:sp>
+      <p:pic>
+        <p:nvPicPr>
+          <p:cNvPr id="4" name="Content Placeholder 3"/>
+          <p:cNvPicPr>
+            <a:picLocks noGrp="1" noChangeAspect="1"/>
+          </p:cNvPicPr>
+          <p:nvPr>
+            <p:ph sz="quarter" idx="10"/>
+          </p:nvPr>
+        </p:nvPicPr>
+        <p:blipFill>
+          <a:blip r:embed="rId2"/>
+          <a:stretch>
+            <a:fillRect/>
+          </a:stretch>
+        </p:blipFill>
+        <p:spPr>
+          <a:xfrm>
+            <a:off x="862435" y="1510722"/>
+            <a:ext cx="6982340" cy="3975678"/>
+          </a:xfrm>
+          <a:prstGeom prst="rect">
+            <a:avLst/>
+          </a:prstGeom>
+        </p:spPr>
+      </p:pic>
+      <p:sp>
+        <p:nvSpPr>
+          <p:cNvPr id="5" name="Rectangle 4"/>
+          <p:cNvSpPr/>
+          <p:nvPr/>
+        </p:nvSpPr>
+        <p:spPr>
+          <a:xfrm>
+            <a:off x="5001490" y="587078"/>
+            <a:ext cx="6096000" cy="646331"/>
+          </a:xfrm>
+          <a:prstGeom prst="rect">
+            <a:avLst/>
+          </a:prstGeom>
+        </p:spPr>
+        <p:txBody>
+          <a:bodyPr>
+            <a:spAutoFit/>
+          </a:bodyPr>
+          <a:lstStyle/>
+          <a:p>
+            <a:r>
+              <a:rPr lang="sr-Latn-RS"/>
+              <a:t>https://developers.themoviedb.org/3/getting-started/introduction</a:t>
+            </a:r>
+          </a:p>
+        </p:txBody>
+      </p:sp>
+    </p:spTree>
+    <p:extLst>
+      <p:ext uri="{BB962C8B-B14F-4D97-AF65-F5344CB8AC3E}">
+        <p14:creationId xmlns:p14="http://schemas.microsoft.com/office/powerpoint/2010/main" val="3827241263"/>
       </p:ext>
     </p:extLst>
   </p:cSld>
